--- a/Presentations/lab-meeting-april-20-2017.pptx
+++ b/Presentations/lab-meeting-april-20-2017.pptx
@@ -3166,13 +3166,8 @@
             </a:r>
             <a:r>
               <a:rPr lang="en-US" baseline="0" dirty="0" smtClean="0"/>
-              <a:t> Each of these subplots came from a single participant, and I’ve just plotted the members of alpha category for the condition the participant was in, as well as where they generated the betas. And again, remember that each point in one of these plots corresponds to a physical stimulus</a:t>
-            </a:r>
-            <a:r>
-              <a:rPr lang="en-US" baseline="0" dirty="0" smtClean="0"/>
-              <a:t>.</a:t>
-            </a:r>
-            <a:endParaRPr lang="en-US" baseline="0" dirty="0" smtClean="0"/>
+              <a:t> Each of these subplots came from a single participant, and I’ve just plotted the members of alpha category for the condition the participant was in, as well as where they generated the betas. And again, remember that each point in one of these plots corresponds to a physical stimulus.</a:t>
+            </a:r>
           </a:p>
         </p:txBody>
       </p:sp>
@@ -3839,7 +3834,6 @@
               <a:rPr lang="en-US" baseline="0" dirty="0" smtClean="0"/>
               <a:t> led Joe and I to start asking questions about whether these contrast effects could actually influence the types of categories people make. </a:t>
             </a:r>
-            <a:endParaRPr lang="en-US" baseline="0" dirty="0" smtClean="0"/>
           </a:p>
           <a:p>
             <a:pPr marL="0" marR="0" indent="0" algn="l" defTabSz="914400" rtl="0" eaLnBrk="1" fontAlgn="auto" latinLnBrk="0" hangingPunct="1">
@@ -14670,7 +14664,6 @@
               <a:rPr lang="en-US" sz="2400" b="1" dirty="0" smtClean="0"/>
               <a:t>Predictions:</a:t>
             </a:r>
-            <a:endParaRPr lang="en-US" sz="2400" b="1" dirty="0" smtClean="0"/>
           </a:p>
           <a:p>
             <a:endParaRPr lang="en-US" sz="2400" b="1" dirty="0"/>
@@ -14802,7 +14795,6 @@
               <a:rPr lang="en-US" sz="2800" dirty="0" smtClean="0"/>
               <a:t>Experiments</a:t>
             </a:r>
-            <a:endParaRPr lang="en-US" sz="2800" dirty="0" smtClean="0"/>
           </a:p>
           <a:p>
             <a:pPr marL="342900" indent="-342900">
@@ -15219,7 +15211,6 @@
                 <a:rPr lang="en-US" dirty="0"/>
                 <a:t> 5.8cm)</a:t>
               </a:r>
-              <a:endParaRPr lang="en-US" dirty="0"/>
             </a:p>
           </p:txBody>
         </p:sp>
@@ -18411,7 +18402,6 @@
                 <a:rPr lang="en-US" sz="1400" dirty="0"/>
                 <a:t> 5.8cm)</a:t>
               </a:r>
-              <a:endParaRPr lang="en-US" sz="1400" dirty="0"/>
             </a:p>
           </p:txBody>
         </p:sp>
@@ -18868,11 +18858,7 @@
               </a:r>
               <a:r>
                 <a:rPr lang="en-US" sz="1400" dirty="0" smtClean="0"/>
-                <a:t> </a:t>
-              </a:r>
-              <a:r>
-                <a:rPr lang="en-US" sz="1400" dirty="0" smtClean="0"/>
-                <a:t>(3.0 </a:t>
+                <a:t> (3.0 </a:t>
               </a:r>
               <a:r>
                 <a:rPr lang="mr-IN" sz="1400" dirty="0" smtClean="0"/>
@@ -18880,15 +18866,7 @@
               </a:r>
               <a:r>
                 <a:rPr lang="en-US" sz="1400" dirty="0" smtClean="0"/>
-                <a:t> 5.8</a:t>
-              </a:r>
-              <a:r>
-                <a:rPr lang="en-US" sz="1400" dirty="0" smtClean="0"/>
-                <a:t>cm</a:t>
-              </a:r>
-              <a:r>
-                <a:rPr lang="en-US" sz="1400" dirty="0" smtClean="0"/>
-                <a:t>)</a:t>
+                <a:t> 5.8cm)</a:t>
               </a:r>
               <a:endParaRPr lang="en-US" sz="1400" dirty="0"/>
             </a:p>
@@ -19148,11 +19126,7 @@
             </a:pPr>
             <a:r>
               <a:rPr lang="en-US" sz="2200" b="1" dirty="0" smtClean="0"/>
-              <a:t>Participants </a:t>
-            </a:r>
-            <a:r>
-              <a:rPr lang="en-US" sz="2200" b="1" dirty="0" smtClean="0"/>
-              <a:t>never see conceptual representation</a:t>
+              <a:t>Participants never see conceptual representation</a:t>
             </a:r>
             <a:r>
               <a:rPr lang="en-US" sz="2200" dirty="0" smtClean="0"/>
@@ -20363,11 +20337,7 @@
           <a:p>
             <a:r>
               <a:rPr lang="en-US" sz="2800" dirty="0" smtClean="0"/>
-              <a:t>Experiment </a:t>
-            </a:r>
-            <a:r>
-              <a:rPr lang="en-US" sz="2800" dirty="0" smtClean="0"/>
-              <a:t>2: </a:t>
+              <a:t>Experiment 2: </a:t>
             </a:r>
             <a:r>
               <a:rPr lang="en-US" sz="2800" i="1" dirty="0"/>
@@ -20588,11 +20558,7 @@
           <a:p>
             <a:r>
               <a:rPr lang="en-US" sz="2200" dirty="0" smtClean="0"/>
-              <a:t>We should observe no differences between conditions</a:t>
-            </a:r>
-            <a:r>
-              <a:rPr lang="en-US" sz="2200" dirty="0" smtClean="0"/>
-              <a:t>, as the known category is identically distributed in each condition.</a:t>
+              <a:t>We should observe no differences between conditions, as the known category is identically distributed in each condition.</a:t>
             </a:r>
           </a:p>
           <a:p>
